--- a/HeadImage.pptx
+++ b/HeadImage.pptx
@@ -104,6 +104,11 @@
       </a:defRPr>
     </a:lvl9pPr>
   </p:defaultTextStyle>
+  <p:extLst>
+    <p:ext uri="{EFAFB233-063F-42B5-8137-9DF3F51BA10A}">
+      <p15:sldGuideLst xmlns:p15="http://schemas.microsoft.com/office/powerpoint/2012/main"/>
+    </p:ext>
+  </p:extLst>
 </p:presentation>
 </file>
 
@@ -3311,7 +3316,7 @@
                 </a:solidFill>
                 <a:latin typeface="Oswald" panose="02000503000000000000" pitchFamily="2" charset="0"/>
               </a:rPr>
-              <a:t>2010</a:t>
+              <a:t>2009</a:t>
             </a:r>
             <a:endParaRPr lang="en-US" sz="800" dirty="0">
               <a:solidFill>
@@ -3757,15 +3762,24 @@
         </p:nvSpPr>
         <p:spPr>
           <a:xfrm>
-            <a:off x="5981349" y="412953"/>
-            <a:ext cx="1404527" cy="1061883"/>
+            <a:off x="5981349" y="495133"/>
+            <a:ext cx="1705607" cy="1061883"/>
           </a:xfrm>
           <a:prstGeom prst="downArrowCallout">
             <a:avLst/>
           </a:prstGeom>
-          <a:solidFill>
-            <a:srgbClr val="FFC000"/>
-          </a:solidFill>
+          <a:pattFill prst="diagBrick">
+            <a:fgClr>
+              <a:schemeClr val="bg1">
+                <a:lumMod val="65000"/>
+              </a:schemeClr>
+            </a:fgClr>
+            <a:bgClr>
+              <a:schemeClr val="bg1">
+                <a:lumMod val="50000"/>
+              </a:schemeClr>
+            </a:bgClr>
+          </a:pattFill>
           <a:ln>
             <a:noFill/>
           </a:ln>
@@ -3792,6 +3806,10 @@
           <a:p>
             <a:pPr algn="ctr"/>
             <a:r>
+              <a:rPr lang="de-DE" dirty="0" smtClean="0"/>
+              <a:t>DNX </a:t>
+            </a:r>
+            <a:r>
               <a:rPr lang="de-DE" dirty="0" err="1" smtClean="0"/>
               <a:t>CodeName</a:t>
             </a:r>
@@ -3818,11 +3836,16 @@
         </p:nvSpPr>
         <p:spPr>
           <a:xfrm>
-            <a:off x="3634843" y="2251587"/>
-            <a:ext cx="1404527" cy="1130709"/>
+            <a:off x="4312841" y="2251585"/>
+            <a:ext cx="1404527" cy="1315421"/>
           </a:xfrm>
           <a:prstGeom prst="upArrowCallout">
-            <a:avLst/>
+            <a:avLst>
+              <a:gd name="adj1" fmla="val 25000"/>
+              <a:gd name="adj2" fmla="val 25000"/>
+              <a:gd name="adj3" fmla="val 25000"/>
+              <a:gd name="adj4" fmla="val 57502"/>
+            </a:avLst>
           </a:prstGeom>
           <a:solidFill>
             <a:schemeClr val="accent4">
@@ -3870,14 +3893,22 @@
         </p:nvSpPr>
         <p:spPr>
           <a:xfrm>
-            <a:off x="6683612" y="2251586"/>
-            <a:ext cx="1404527" cy="1130709"/>
+            <a:off x="6803470" y="2251586"/>
+            <a:ext cx="1404527" cy="1315421"/>
           </a:xfrm>
           <a:prstGeom prst="upArrowCallout">
-            <a:avLst/>
+            <a:avLst>
+              <a:gd name="adj1" fmla="val 25000"/>
+              <a:gd name="adj2" fmla="val 25000"/>
+              <a:gd name="adj3" fmla="val 25000"/>
+              <a:gd name="adj4" fmla="val 58250"/>
+            </a:avLst>
           </a:prstGeom>
           <a:solidFill>
-            <a:srgbClr val="0070C0"/>
+            <a:schemeClr val="accent6">
+              <a:lumMod val="60000"/>
+              <a:lumOff val="40000"/>
+            </a:schemeClr>
           </a:solidFill>
           <a:ln>
             <a:noFill/>
@@ -3909,6 +3940,160 @@
               <a:t>ASP.NET Core 1</a:t>
             </a:r>
             <a:endParaRPr lang="en-US" dirty="0"/>
+          </a:p>
+        </p:txBody>
+      </p:sp>
+      <p:sp>
+        <p:nvSpPr>
+          <p:cNvPr id="18" name="Legende mit Pfeil nach oben 17"/>
+          <p:cNvSpPr/>
+          <p:nvPr/>
+        </p:nvSpPr>
+        <p:spPr>
+          <a:xfrm>
+            <a:off x="5690150" y="2133822"/>
+            <a:ext cx="822121" cy="604953"/>
+          </a:xfrm>
+          <a:prstGeom prst="upArrowCallout">
+            <a:avLst/>
+          </a:prstGeom>
+          <a:solidFill>
+            <a:srgbClr val="EEB500"/>
+          </a:solidFill>
+          <a:ln>
+            <a:noFill/>
+          </a:ln>
+        </p:spPr>
+        <p:style>
+          <a:lnRef idx="2">
+            <a:schemeClr val="accent1">
+              <a:shade val="50000"/>
+            </a:schemeClr>
+          </a:lnRef>
+          <a:fillRef idx="1">
+            <a:schemeClr val="accent1"/>
+          </a:fillRef>
+          <a:effectRef idx="0">
+            <a:schemeClr val="accent1"/>
+          </a:effectRef>
+          <a:fontRef idx="minor">
+            <a:schemeClr val="lt1"/>
+          </a:fontRef>
+        </p:style>
+        <p:txBody>
+          <a:bodyPr rtlCol="0" anchor="ctr"/>
+          <a:lstStyle/>
+          <a:p>
+            <a:pPr algn="ctr"/>
+            <a:r>
+              <a:rPr lang="de-DE" sz="1050" dirty="0" smtClean="0"/>
+              <a:t>ASP.NET 4.5</a:t>
+            </a:r>
+            <a:endParaRPr lang="en-US" sz="1050" dirty="0"/>
+          </a:p>
+        </p:txBody>
+      </p:sp>
+      <p:sp>
+        <p:nvSpPr>
+          <p:cNvPr id="23" name="Legende mit Pfeil nach unten 22"/>
+          <p:cNvSpPr/>
+          <p:nvPr/>
+        </p:nvSpPr>
+        <p:spPr>
+          <a:xfrm>
+            <a:off x="4097388" y="1098008"/>
+            <a:ext cx="822120" cy="604953"/>
+          </a:xfrm>
+          <a:prstGeom prst="downArrowCallout">
+            <a:avLst/>
+          </a:prstGeom>
+          <a:solidFill>
+            <a:srgbClr val="EEB500"/>
+          </a:solidFill>
+          <a:ln>
+            <a:noFill/>
+          </a:ln>
+        </p:spPr>
+        <p:style>
+          <a:lnRef idx="2">
+            <a:schemeClr val="accent1">
+              <a:shade val="50000"/>
+            </a:schemeClr>
+          </a:lnRef>
+          <a:fillRef idx="1">
+            <a:schemeClr val="accent1"/>
+          </a:fillRef>
+          <a:effectRef idx="0">
+            <a:schemeClr val="accent1"/>
+          </a:effectRef>
+          <a:fontRef idx="minor">
+            <a:schemeClr val="lt1"/>
+          </a:fontRef>
+        </p:style>
+        <p:txBody>
+          <a:bodyPr rtlCol="0" anchor="ctr"/>
+          <a:lstStyle/>
+          <a:p>
+            <a:pPr algn="ctr"/>
+            <a:r>
+              <a:rPr lang="de-DE" sz="1050" dirty="0"/>
+              <a:t>ASP.NET 3.5</a:t>
+            </a:r>
+            <a:endParaRPr lang="en-US" sz="1050" dirty="0"/>
+          </a:p>
+        </p:txBody>
+      </p:sp>
+      <p:sp>
+        <p:nvSpPr>
+          <p:cNvPr id="24" name="Legende mit Pfeil nach oben 23"/>
+          <p:cNvSpPr/>
+          <p:nvPr/>
+        </p:nvSpPr>
+        <p:spPr>
+          <a:xfrm>
+            <a:off x="3103925" y="2133822"/>
+            <a:ext cx="822121" cy="604953"/>
+          </a:xfrm>
+          <a:prstGeom prst="upArrowCallout">
+            <a:avLst/>
+          </a:prstGeom>
+          <a:solidFill>
+            <a:srgbClr val="9C5BCD"/>
+          </a:solidFill>
+          <a:ln>
+            <a:noFill/>
+          </a:ln>
+        </p:spPr>
+        <p:style>
+          <a:lnRef idx="2">
+            <a:schemeClr val="accent1">
+              <a:shade val="50000"/>
+            </a:schemeClr>
+          </a:lnRef>
+          <a:fillRef idx="1">
+            <a:schemeClr val="accent1"/>
+          </a:fillRef>
+          <a:effectRef idx="0">
+            <a:schemeClr val="accent1"/>
+          </a:effectRef>
+          <a:fontRef idx="minor">
+            <a:schemeClr val="lt1"/>
+          </a:fontRef>
+        </p:style>
+        <p:txBody>
+          <a:bodyPr rtlCol="0" anchor="ctr"/>
+          <a:lstStyle/>
+          <a:p>
+            <a:pPr algn="ctr"/>
+            <a:r>
+              <a:rPr lang="de-DE" sz="1050" dirty="0"/>
+              <a:t>ASP.NET </a:t>
+            </a:r>
+            <a:r>
+              <a:rPr lang="de-DE" sz="1050" dirty="0" smtClean="0"/>
+              <a:t>2.0</a:t>
+            </a:r>
+            <a:endParaRPr lang="en-US" sz="1050" dirty="0"/>
           </a:p>
         </p:txBody>
       </p:sp>
